--- a/lci_intro_slides.pptx
+++ b/lci_intro_slides.pptx
@@ -3568,7 +3568,7 @@
             </a:pPr>
             <a:r>
               <a:rPr/>
-              <a:t>We’re located at 1310 East Morehead Street in Building 2 of Levine Cancer Institute.</a:t>
+              <a:t>We’re located at 1310 East Morehead Street in Building 2 of Levine Cancer Institute. We’re on East Morehead Street between Kenilworth and South Kings Drive.</a:t>
             </a:r>
           </a:p>
           <a:p>
@@ -3586,7 +3586,7 @@
             </a:pPr>
             <a:r>
               <a:rPr/>
-              <a:t>You can either self-park in the garage, or we have free value parking.</a:t>
+              <a:t>You can either self-park in the garage, or we have free valet parking.</a:t>
             </a:r>
           </a:p>
         </p:txBody>
